--- a/presentations/BI Analysis Week 6.pptx
+++ b/presentations/BI Analysis Week 6.pptx
@@ -286,7 +286,7 @@
           <a:p>
             <a:fld id="{D3D47A4C-1800-412B-9042-C93F1924AECC}" type="datetimeFigureOut">
               <a:rPr lang="en-US" smtClean="0"/>
-              <a:t>1/28/2025</a:t>
+              <a:t>2/3/2025</a:t>
             </a:fld>
             <a:endParaRPr lang="en-US"/>
           </a:p>
@@ -463,7 +463,7 @@
           <a:p>
             <a:fld id="{7000EB3D-2307-4317-8A1D-B47FA45245F0}" type="datetimeFigureOut">
               <a:rPr lang="en-US" noProof="0" smtClean="0"/>
-              <a:t>1/28/2025</a:t>
+              <a:t>2/3/2025</a:t>
             </a:fld>
             <a:endParaRPr lang="en-US" noProof="0"/>
           </a:p>
@@ -1421,7 +1421,7 @@
           <a:p>
             <a:fld id="{25C0C67E-B257-49FB-AFB7-390FF0CAC9EE}" type="datetime1">
               <a:rPr lang="en-US" smtClean="0"/>
-              <a:t>1/28/2025</a:t>
+              <a:t>2/3/2025</a:t>
             </a:fld>
             <a:endParaRPr lang="en-US" dirty="0"/>
           </a:p>
@@ -2108,7 +2108,7 @@
           <a:p>
             <a:fld id="{03BBD6F9-FF78-4379-B47B-B6CCD4905C21}" type="datetime1">
               <a:rPr lang="en-US" smtClean="0"/>
-              <a:t>1/28/2025</a:t>
+              <a:t>2/3/2025</a:t>
             </a:fld>
             <a:endParaRPr lang="en-US" dirty="0"/>
           </a:p>
@@ -2644,7 +2644,7 @@
           <a:p>
             <a:fld id="{2AAF6C4C-B857-4C53-AEC7-D656D7ED2A76}" type="datetime1">
               <a:rPr lang="en-US" smtClean="0"/>
-              <a:t>1/28/2025</a:t>
+              <a:t>2/3/2025</a:t>
             </a:fld>
             <a:endParaRPr lang="en-US" dirty="0"/>
           </a:p>
@@ -3284,7 +3284,7 @@
           <a:p>
             <a:fld id="{CAE074D3-6905-43E2-BEC0-283A6A564273}" type="datetime1">
               <a:rPr lang="en-US" smtClean="0"/>
-              <a:t>1/28/2025</a:t>
+              <a:t>2/3/2025</a:t>
             </a:fld>
             <a:endParaRPr lang="en-US" dirty="0"/>
           </a:p>
@@ -4082,7 +4082,7 @@
           <a:p>
             <a:fld id="{47050DF2-E1AE-4752-B51C-00A6271C04BA}" type="datetime1">
               <a:rPr lang="en-US" smtClean="0"/>
-              <a:t>1/28/2025</a:t>
+              <a:t>2/3/2025</a:t>
             </a:fld>
             <a:endParaRPr lang="en-US" dirty="0"/>
           </a:p>
@@ -4968,7 +4968,7 @@
           <a:p>
             <a:fld id="{DC3E54E2-E800-4A5F-A6BA-BFDD0B48CDBE}" type="datetime1">
               <a:rPr lang="en-US" smtClean="0"/>
-              <a:t>1/28/2025</a:t>
+              <a:t>2/3/2025</a:t>
             </a:fld>
             <a:endParaRPr lang="en-US" dirty="0"/>
           </a:p>
@@ -5301,7 +5301,7 @@
           <a:p>
             <a:fld id="{ED68B9E8-D726-48B5-B06E-0920A38DFDCE}" type="datetime1">
               <a:rPr lang="en-US" smtClean="0"/>
-              <a:t>1/28/2025</a:t>
+              <a:t>2/3/2025</a:t>
             </a:fld>
             <a:endParaRPr lang="en-US" dirty="0"/>
           </a:p>
@@ -5494,7 +5494,7 @@
           <a:p>
             <a:fld id="{A01838E9-F567-4B1C-90ED-A9C2AFA6D6F3}" type="datetime1">
               <a:rPr lang="en-US" smtClean="0"/>
-              <a:t>1/28/2025</a:t>
+              <a:t>2/3/2025</a:t>
             </a:fld>
             <a:endParaRPr lang="en-US" dirty="0"/>
           </a:p>
@@ -6548,7 +6548,7 @@
             </a:pPr>
             <a:r>
               <a:rPr lang="en-US" sz="2000" dirty="0"/>
-              <a:t>Students will be meet their teams and begin planning their project. </a:t>
+              <a:t>Students will meet their teams and begin planning their project. </a:t>
             </a:r>
           </a:p>
           <a:p>
@@ -9529,6 +9529,26 @@
 </file>
 
 <file path=customXml/item1.xml><?xml version="1.0" encoding="utf-8"?>
+<p:properties xmlns:p="http://schemas.microsoft.com/office/2006/metadata/properties" xmlns:xsi="http://www.w3.org/2001/XMLSchema-instance" xmlns:pc="http://schemas.microsoft.com/office/infopath/2007/PartnerControls">
+  <documentManagement>
+    <MediaServiceKeyPoints xmlns="71af3243-3dd4-4a8d-8c0d-dd76da1f02a5" xsi:nil="true"/>
+    <_ip_UnifiedCompliancePolicyUIAction xmlns="http://schemas.microsoft.com/sharepoint/v3" xsi:nil="true"/>
+    <Image xmlns="71af3243-3dd4-4a8d-8c0d-dd76da1f02a5">
+      <Url xsi:nil="true"/>
+      <Description xsi:nil="true"/>
+    </Image>
+    <Status xmlns="71af3243-3dd4-4a8d-8c0d-dd76da1f02a5">Not started</Status>
+    <Background xmlns="71af3243-3dd4-4a8d-8c0d-dd76da1f02a5">false</Background>
+    <_ip_UnifiedCompliancePolicyProperties xmlns="http://schemas.microsoft.com/sharepoint/v3" xsi:nil="true"/>
+    <ImageTagsTaxHTField xmlns="71af3243-3dd4-4a8d-8c0d-dd76da1f02a5">
+      <Terms xmlns="http://schemas.microsoft.com/office/infopath/2007/PartnerControls"/>
+    </ImageTagsTaxHTField>
+    <TaxCatchAll xmlns="230e9df3-be65-4c73-a93b-d1236ebd677e" xsi:nil="true"/>
+  </documentManagement>
+</p:properties>
+</file>
+
+<file path=customXml/item2.xml><?xml version="1.0" encoding="utf-8"?>
 <ct:contentTypeSchema xmlns:ct="http://schemas.microsoft.com/office/2006/metadata/contentType" xmlns:ma="http://schemas.microsoft.com/office/2006/metadata/properties/metaAttributes" ct:_="" ma:_="" ma:contentTypeName="Document" ma:contentTypeID="0x01010079F111ED35F8CC479449609E8A0923A6" ma:contentTypeVersion="30" ma:contentTypeDescription="Create a new document." ma:contentTypeScope="" ma:versionID="cec0622158e8f13124e9e8fd4de31bd1">
   <xsd:schema xmlns:xsd="http://www.w3.org/2001/XMLSchema" xmlns:xs="http://www.w3.org/2001/XMLSchema" xmlns:p="http://schemas.microsoft.com/office/2006/metadata/properties" xmlns:ns1="http://schemas.microsoft.com/sharepoint/v3" xmlns:ns2="71af3243-3dd4-4a8d-8c0d-dd76da1f02a5" xmlns:ns3="16c05727-aa75-4e4a-9b5f-8a80a1165891" xmlns:ns4="230e9df3-be65-4c73-a93b-d1236ebd677e" targetNamespace="http://schemas.microsoft.com/office/2006/metadata/properties" ma:root="true" ma:fieldsID="3b52f30ab005d15df08657af532e6e38" ns1:_="" ns2:_="" ns3:_="" ns4:_="">
     <xsd:import namespace="http://schemas.microsoft.com/sharepoint/v3"/>
@@ -9846,26 +9866,6 @@
 </ct:contentTypeSchema>
 </file>
 
-<file path=customXml/item2.xml><?xml version="1.0" encoding="utf-8"?>
-<p:properties xmlns:p="http://schemas.microsoft.com/office/2006/metadata/properties" xmlns:xsi="http://www.w3.org/2001/XMLSchema-instance" xmlns:pc="http://schemas.microsoft.com/office/infopath/2007/PartnerControls">
-  <documentManagement>
-    <MediaServiceKeyPoints xmlns="71af3243-3dd4-4a8d-8c0d-dd76da1f02a5" xsi:nil="true"/>
-    <_ip_UnifiedCompliancePolicyUIAction xmlns="http://schemas.microsoft.com/sharepoint/v3" xsi:nil="true"/>
-    <Image xmlns="71af3243-3dd4-4a8d-8c0d-dd76da1f02a5">
-      <Url xsi:nil="true"/>
-      <Description xsi:nil="true"/>
-    </Image>
-    <Status xmlns="71af3243-3dd4-4a8d-8c0d-dd76da1f02a5">Not started</Status>
-    <Background xmlns="71af3243-3dd4-4a8d-8c0d-dd76da1f02a5">false</Background>
-    <_ip_UnifiedCompliancePolicyProperties xmlns="http://schemas.microsoft.com/sharepoint/v3" xsi:nil="true"/>
-    <ImageTagsTaxHTField xmlns="71af3243-3dd4-4a8d-8c0d-dd76da1f02a5">
-      <Terms xmlns="http://schemas.microsoft.com/office/infopath/2007/PartnerControls"/>
-    </ImageTagsTaxHTField>
-    <TaxCatchAll xmlns="230e9df3-be65-4c73-a93b-d1236ebd677e" xsi:nil="true"/>
-  </documentManagement>
-</p:properties>
-</file>
-
 <file path=customXml/item3.xml><?xml version="1.0" encoding="utf-8"?>
 <?mso-contentType ?>
 <FormTemplates xmlns="http://schemas.microsoft.com/sharepoint/v3/contenttype/forms">
@@ -9876,6 +9876,25 @@
 </file>
 
 <file path=customXml/itemProps1.xml><?xml version="1.0" encoding="utf-8"?>
+<ds:datastoreItem xmlns:ds="http://schemas.openxmlformats.org/officeDocument/2006/customXml" ds:itemID="{826A71AF-4CF2-4B95-BFB6-5C27500258C6}">
+  <ds:schemaRefs>
+    <ds:schemaRef ds:uri="http://purl.org/dc/elements/1.1/"/>
+    <ds:schemaRef ds:uri="http://schemas.microsoft.com/office/2006/documentManagement/types"/>
+    <ds:schemaRef ds:uri="16c05727-aa75-4e4a-9b5f-8a80a1165891"/>
+    <ds:schemaRef ds:uri="http://purl.org/dc/terms/"/>
+    <ds:schemaRef ds:uri="230e9df3-be65-4c73-a93b-d1236ebd677e"/>
+    <ds:schemaRef ds:uri="http://schemas.openxmlformats.org/package/2006/metadata/core-properties"/>
+    <ds:schemaRef ds:uri="http://schemas.microsoft.com/office/infopath/2007/PartnerControls"/>
+    <ds:schemaRef ds:uri="http://purl.org/dc/dcmitype/"/>
+    <ds:schemaRef ds:uri="71af3243-3dd4-4a8d-8c0d-dd76da1f02a5"/>
+    <ds:schemaRef ds:uri="http://schemas.microsoft.com/sharepoint/v3"/>
+    <ds:schemaRef ds:uri="http://schemas.microsoft.com/office/2006/metadata/properties"/>
+    <ds:schemaRef ds:uri="http://www.w3.org/XML/1998/namespace"/>
+  </ds:schemaRefs>
+</ds:datastoreItem>
+</file>
+
+<file path=customXml/itemProps2.xml><?xml version="1.0" encoding="utf-8"?>
 <ds:datastoreItem xmlns:ds="http://schemas.openxmlformats.org/officeDocument/2006/customXml" ds:itemID="{118B1F56-8983-41A9-8E90-86247BC2C41D}">
   <ds:schemaRefs>
     <ds:schemaRef ds:uri="http://schemas.microsoft.com/office/2006/metadata/contentType"/>
@@ -9896,25 +9915,6 @@
 </ds:datastoreItem>
 </file>
 
-<file path=customXml/itemProps2.xml><?xml version="1.0" encoding="utf-8"?>
-<ds:datastoreItem xmlns:ds="http://schemas.openxmlformats.org/officeDocument/2006/customXml" ds:itemID="{826A71AF-4CF2-4B95-BFB6-5C27500258C6}">
-  <ds:schemaRefs>
-    <ds:schemaRef ds:uri="http://purl.org/dc/elements/1.1/"/>
-    <ds:schemaRef ds:uri="http://schemas.microsoft.com/office/2006/documentManagement/types"/>
-    <ds:schemaRef ds:uri="16c05727-aa75-4e4a-9b5f-8a80a1165891"/>
-    <ds:schemaRef ds:uri="http://purl.org/dc/terms/"/>
-    <ds:schemaRef ds:uri="230e9df3-be65-4c73-a93b-d1236ebd677e"/>
-    <ds:schemaRef ds:uri="http://schemas.openxmlformats.org/package/2006/metadata/core-properties"/>
-    <ds:schemaRef ds:uri="http://schemas.microsoft.com/office/infopath/2007/PartnerControls"/>
-    <ds:schemaRef ds:uri="http://purl.org/dc/dcmitype/"/>
-    <ds:schemaRef ds:uri="71af3243-3dd4-4a8d-8c0d-dd76da1f02a5"/>
-    <ds:schemaRef ds:uri="http://schemas.microsoft.com/sharepoint/v3"/>
-    <ds:schemaRef ds:uri="http://schemas.microsoft.com/office/2006/metadata/properties"/>
-    <ds:schemaRef ds:uri="http://www.w3.org/XML/1998/namespace"/>
-  </ds:schemaRefs>
-</ds:datastoreItem>
-</file>
-
 <file path=customXml/itemProps3.xml><?xml version="1.0" encoding="utf-8"?>
 <ds:datastoreItem xmlns:ds="http://schemas.openxmlformats.org/officeDocument/2006/customXml" ds:itemID="{0F60B100-7079-4DE7-AF7C-20BFB1D62C46}">
   <ds:schemaRefs>
